--- a/project_02/EDES301_project_02.pptx
+++ b/project_02/EDES301_project_02.pptx
@@ -22491,7 +22491,7 @@
           <a:p>
             <a:r>
               <a:rPr lang="en-US" dirty="0"/>
-              <a:t>3”</a:t>
+              <a:t>5”</a:t>
             </a:r>
           </a:p>
         </p:txBody>
@@ -22570,130 +22570,7 @@
           <a:p>
             <a:r>
               <a:rPr lang="en-US" dirty="0"/>
-              <a:t>2”</a:t>
-            </a:r>
-          </a:p>
-        </p:txBody>
-      </p:sp>
-      <p:cxnSp>
-        <p:nvCxnSpPr>
-          <p:cNvPr id="17" name="Straight Connector 16">
-            <a:extLst>
-              <a:ext uri="{FF2B5EF4-FFF2-40B4-BE49-F238E27FC236}">
-                <a16:creationId xmlns:a16="http://schemas.microsoft.com/office/drawing/2014/main" id="{34DA7408-19F4-2F35-FAC0-421BC9406D07}"/>
-              </a:ext>
-            </a:extLst>
-          </p:cNvPr>
-          <p:cNvCxnSpPr>
-            <a:cxnSpLocks/>
-          </p:cNvCxnSpPr>
-          <p:nvPr/>
-        </p:nvCxnSpPr>
-        <p:spPr>
-          <a:xfrm>
-            <a:off x="1524000" y="4876800"/>
-            <a:ext cx="762000" cy="0"/>
-          </a:xfrm>
-          <a:prstGeom prst="line">
-            <a:avLst/>
-          </a:prstGeom>
-          <a:ln w="12700">
-            <a:solidFill>
-              <a:schemeClr val="tx1"/>
-            </a:solidFill>
-            <a:headEnd type="triangle"/>
-          </a:ln>
-        </p:spPr>
-        <p:style>
-          <a:lnRef idx="1">
-            <a:schemeClr val="accent1"/>
-          </a:lnRef>
-          <a:fillRef idx="0">
-            <a:schemeClr val="accent1"/>
-          </a:fillRef>
-          <a:effectRef idx="0">
-            <a:schemeClr val="accent1"/>
-          </a:effectRef>
-          <a:fontRef idx="minor">
-            <a:schemeClr val="tx1"/>
-          </a:fontRef>
-        </p:style>
-      </p:cxnSp>
-      <p:cxnSp>
-        <p:nvCxnSpPr>
-          <p:cNvPr id="18" name="Straight Connector 17">
-            <a:extLst>
-              <a:ext uri="{FF2B5EF4-FFF2-40B4-BE49-F238E27FC236}">
-                <a16:creationId xmlns:a16="http://schemas.microsoft.com/office/drawing/2014/main" id="{880520B0-32BC-2230-B6B0-74EE803978BF}"/>
-              </a:ext>
-            </a:extLst>
-          </p:cNvPr>
-          <p:cNvCxnSpPr>
-            <a:cxnSpLocks/>
-          </p:cNvCxnSpPr>
-          <p:nvPr/>
-        </p:nvCxnSpPr>
-        <p:spPr>
-          <a:xfrm>
-            <a:off x="3124200" y="4876800"/>
-            <a:ext cx="685800" cy="0"/>
-          </a:xfrm>
-          <a:prstGeom prst="line">
-            <a:avLst/>
-          </a:prstGeom>
-          <a:ln w="12700">
-            <a:solidFill>
-              <a:schemeClr val="tx1"/>
-            </a:solidFill>
-            <a:tailEnd type="triangle"/>
-          </a:ln>
-        </p:spPr>
-        <p:style>
-          <a:lnRef idx="1">
-            <a:schemeClr val="accent1"/>
-          </a:lnRef>
-          <a:fillRef idx="0">
-            <a:schemeClr val="accent1"/>
-          </a:fillRef>
-          <a:effectRef idx="0">
-            <a:schemeClr val="accent1"/>
-          </a:effectRef>
-          <a:fontRef idx="minor">
-            <a:schemeClr val="tx1"/>
-          </a:fontRef>
-        </p:style>
-      </p:cxnSp>
-      <p:sp>
-        <p:nvSpPr>
-          <p:cNvPr id="19" name="TextBox 18">
-            <a:extLst>
-              <a:ext uri="{FF2B5EF4-FFF2-40B4-BE49-F238E27FC236}">
-                <a16:creationId xmlns:a16="http://schemas.microsoft.com/office/drawing/2014/main" id="{FF791150-3392-3B0B-9DDF-70A89D595532}"/>
-              </a:ext>
-            </a:extLst>
-          </p:cNvPr>
-          <p:cNvSpPr txBox="1"/>
-          <p:nvPr/>
-        </p:nvSpPr>
-        <p:spPr>
-          <a:xfrm>
-            <a:off x="2438400" y="4724400"/>
-            <a:ext cx="582211" cy="369332"/>
-          </a:xfrm>
-          <a:prstGeom prst="rect">
-            <a:avLst/>
-          </a:prstGeom>
-          <a:noFill/>
-        </p:spPr>
-        <p:txBody>
-          <a:bodyPr wrap="none" rtlCol="0">
-            <a:spAutoFit/>
-          </a:bodyPr>
-          <a:lstStyle/>
-          <a:p>
-            <a:r>
-              <a:rPr lang="en-US" dirty="0"/>
-              <a:t>1.5”</a:t>
+              <a:t>4”</a:t>
             </a:r>
           </a:p>
         </p:txBody>
